--- a/NLP MINI-PROJECT.pptx
+++ b/NLP MINI-PROJECT.pptx
@@ -13332,7 +13332,7 @@
           <a:p>
             <a:r>
               <a:rPr lang="en-US" sz="2000" dirty="0"/>
-              <a:t>TOPIC -  SPAM E-MAIL CLASSIFIER</a:t>
+              <a:t>TOPIC  -   SPAM E-MAIL CLASSIFIER</a:t>
             </a:r>
           </a:p>
           <a:p>
@@ -13494,50 +13494,8 @@
           </a:p>
           <a:p>
             <a:r>
-              <a:rPr lang="en-US" b="0" i="0" dirty="0">
-                <a:solidFill>
-                  <a:srgbClr val="3B3835"/>
-                </a:solidFill>
-                <a:effectLst/>
-                <a:latin typeface="Helvetica Neue"/>
-              </a:rPr>
-              <a:t>.Spam e-mails can be defined as :</a:t>
-            </a:r>
-          </a:p>
-          <a:p>
-            <a:r>
-              <a:rPr lang="en-US" b="0" i="0" dirty="0">
-                <a:solidFill>
-                  <a:srgbClr val="3B3835"/>
-                </a:solidFill>
-                <a:effectLst/>
-                <a:latin typeface="Helvetica Neue"/>
-              </a:rPr>
-              <a:t>1. Anonymity </a:t>
-            </a:r>
-          </a:p>
-          <a:p>
-            <a:r>
-              <a:rPr lang="en-US" b="0" i="0" dirty="0">
-                <a:solidFill>
-                  <a:srgbClr val="3B3835"/>
-                </a:solidFill>
-                <a:effectLst/>
-                <a:latin typeface="Helvetica Neue"/>
-              </a:rPr>
-              <a:t>2. Mass Mailings </a:t>
-            </a:r>
-          </a:p>
-          <a:p>
-            <a:r>
-              <a:rPr lang="en-US" b="0" i="0" dirty="0">
-                <a:solidFill>
-                  <a:srgbClr val="3B3835"/>
-                </a:solidFill>
-                <a:effectLst/>
-                <a:latin typeface="Helvetica Neue"/>
-              </a:rPr>
-              <a:t>3. Unsolicited: </a:t>
+              <a:rPr lang="en-US" dirty="0"/>
+              <a:t>Spam email is unsolicited and unwanted junk email sent out in bulk to an indiscriminate recipient list. Typically, spam is sent for commercial purposes. It can be sent in massive volume by botnets, networks of infected computers.</a:t>
             </a:r>
           </a:p>
           <a:p>
@@ -13816,9 +13774,16 @@
             <p:ph idx="1"/>
           </p:nvPr>
         </p:nvSpPr>
-        <p:spPr/>
+        <p:spPr>
+          <a:xfrm>
+            <a:off x="1154954" y="2254928"/>
+            <a:ext cx="8825659" cy="3764872"/>
+          </a:xfrm>
+        </p:spPr>
         <p:txBody>
-          <a:bodyPr/>
+          <a:bodyPr>
+            <a:normAutofit fontScale="92500" lnSpcReduction="20000"/>
+          </a:bodyPr>
           <a:lstStyle/>
           <a:p>
             <a:r>
@@ -13829,12 +13794,35 @@
                 <a:effectLst/>
                 <a:latin typeface="Helvetica Neue"/>
               </a:rPr>
-              <a:t>NAÏVE BAYS CLASSIFIER</a:t>
+              <a:t>NATURAL LANGUAGE PROCESSING : </a:t>
             </a:r>
           </a:p>
           <a:p>
             <a:pPr marL="0" indent="0">
               <a:buNone/>
+            </a:pPr>
+            <a:r>
+              <a:rPr lang="en-US" dirty="0"/>
+              <a:t>Natural Language Processing is a branch of artificial intelligence that deals with the interaction between computers and humans using the natural language.</a:t>
+            </a:r>
+          </a:p>
+          <a:p>
+            <a:pPr>
+              <a:buAutoNum type="arabicPeriod"/>
+            </a:pPr>
+            <a:r>
+              <a:rPr lang="en-US" dirty="0">
+                <a:solidFill>
+                  <a:srgbClr val="3B3835"/>
+                </a:solidFill>
+                <a:latin typeface="Helvetica Neue"/>
+              </a:rPr>
+              <a:t>Tokenization</a:t>
+            </a:r>
+          </a:p>
+          <a:p>
+            <a:pPr>
+              <a:buAutoNum type="arabicPeriod"/>
             </a:pPr>
             <a:r>
               <a:rPr lang="en-US" b="0" i="0" dirty="0">
@@ -13844,7 +13832,60 @@
                 <a:effectLst/>
                 <a:latin typeface="Helvetica Neue"/>
               </a:rPr>
-              <a:t>Simple probabilistic classifier that calculates a set of probabilities by counting the frequency and combination of values in a given dataset. Represent as a vector of feature values. It is very useful to classify the e-mails properly The precision and recall of this method is known to be very effective</a:t>
+              <a:t>Stemming</a:t>
+            </a:r>
+          </a:p>
+          <a:p>
+            <a:pPr>
+              <a:buAutoNum type="arabicPeriod"/>
+            </a:pPr>
+            <a:r>
+              <a:rPr lang="en-US" b="0" i="0" dirty="0">
+                <a:solidFill>
+                  <a:srgbClr val="3B3835"/>
+                </a:solidFill>
+                <a:effectLst/>
+                <a:latin typeface="Helvetica Neue"/>
+              </a:rPr>
+              <a:t>Lemmatization</a:t>
+            </a:r>
+          </a:p>
+          <a:p>
+            <a:pPr>
+              <a:buAutoNum type="arabicPeriod"/>
+            </a:pPr>
+            <a:endParaRPr lang="en-US" dirty="0">
+              <a:solidFill>
+                <a:srgbClr val="3B3835"/>
+              </a:solidFill>
+              <a:latin typeface="Helvetica Neue"/>
+            </a:endParaRPr>
+          </a:p>
+          <a:p>
+            <a:r>
+              <a:rPr lang="en-US" b="0" i="0" dirty="0">
+                <a:solidFill>
+                  <a:srgbClr val="3B3835"/>
+                </a:solidFill>
+                <a:effectLst/>
+                <a:latin typeface="Helvetica Neue"/>
+              </a:rPr>
+              <a:t>NAÏVE BAYES CLASSIFIER : </a:t>
+            </a:r>
+          </a:p>
+          <a:p>
+            <a:pPr marL="0" indent="0">
+              <a:buNone/>
+            </a:pPr>
+            <a:r>
+              <a:rPr lang="en-US" b="0" i="0" dirty="0">
+                <a:solidFill>
+                  <a:srgbClr val="3B3835"/>
+                </a:solidFill>
+                <a:effectLst/>
+                <a:latin typeface="Helvetica Neue"/>
+              </a:rPr>
+              <a:t>Simple probabilistic classifier that calculates a set of probabilities by counting the frequency and combination of values in a given dataset. Represent as a vector of feature values. It is very useful to classify the e-mails properly The precision and recall of this method is known to be very effective.</a:t>
             </a:r>
           </a:p>
           <a:p>
@@ -13908,7 +13949,7 @@
           <a:p>
             <a:r>
               <a:rPr lang="en-US" dirty="0"/>
-              <a:t>SOURCE CODE REFERNCE</a:t>
+              <a:t>SOURCE CODE</a:t>
             </a:r>
           </a:p>
         </p:txBody>
@@ -14022,10 +14063,22 @@
         </p:nvSpPr>
         <p:spPr/>
         <p:txBody>
-          <a:bodyPr/>
+          <a:bodyPr>
+            <a:normAutofit/>
+          </a:bodyPr>
           <a:lstStyle/>
           <a:p>
-            <a:endParaRPr lang="en-US"/>
+            <a:pPr marL="0" indent="0">
+              <a:buNone/>
+            </a:pPr>
+            <a:r>
+              <a:rPr lang="en-US" sz="4400" b="1" dirty="0">
+                <a:solidFill>
+                  <a:schemeClr val="tx1"/>
+                </a:solidFill>
+              </a:rPr>
+              <a:t>              THANK YOU</a:t>
+            </a:r>
           </a:p>
         </p:txBody>
       </p:sp>
